--- a/프로젝트 산출물/8. LAYOUT/캠플렉스 사용자레이아웃.pptx
+++ b/프로젝트 산출물/8. LAYOUT/캠플렉스 사용자레이아웃.pptx
@@ -304,7 +304,7 @@
           <a:p>
             <a:fld id="{A1CDC02F-50F9-4EA6-AFF9-14433B7C17A0}" type="datetimeFigureOut">
               <a:rPr lang="ko-KR" altLang="en-US" smtClean="0"/>
-              <a:t>2021-12-03</a:t>
+              <a:t>2022-01-07</a:t>
             </a:fld>
             <a:endParaRPr lang="ko-KR" altLang="en-US"/>
           </a:p>
@@ -472,7 +472,7 @@
           <a:p>
             <a:fld id="{A1CDC02F-50F9-4EA6-AFF9-14433B7C17A0}" type="datetimeFigureOut">
               <a:rPr lang="ko-KR" altLang="en-US" smtClean="0"/>
-              <a:t>2021-12-03</a:t>
+              <a:t>2022-01-07</a:t>
             </a:fld>
             <a:endParaRPr lang="ko-KR" altLang="en-US"/>
           </a:p>
@@ -650,7 +650,7 @@
           <a:p>
             <a:fld id="{A1CDC02F-50F9-4EA6-AFF9-14433B7C17A0}" type="datetimeFigureOut">
               <a:rPr lang="ko-KR" altLang="en-US" smtClean="0"/>
-              <a:t>2021-12-03</a:t>
+              <a:t>2022-01-07</a:t>
             </a:fld>
             <a:endParaRPr lang="ko-KR" altLang="en-US"/>
           </a:p>
@@ -818,7 +818,7 @@
           <a:p>
             <a:fld id="{A1CDC02F-50F9-4EA6-AFF9-14433B7C17A0}" type="datetimeFigureOut">
               <a:rPr lang="ko-KR" altLang="en-US" smtClean="0"/>
-              <a:t>2021-12-03</a:t>
+              <a:t>2022-01-07</a:t>
             </a:fld>
             <a:endParaRPr lang="ko-KR" altLang="en-US"/>
           </a:p>
@@ -1063,7 +1063,7 @@
           <a:p>
             <a:fld id="{A1CDC02F-50F9-4EA6-AFF9-14433B7C17A0}" type="datetimeFigureOut">
               <a:rPr lang="ko-KR" altLang="en-US" smtClean="0"/>
-              <a:t>2021-12-03</a:t>
+              <a:t>2022-01-07</a:t>
             </a:fld>
             <a:endParaRPr lang="ko-KR" altLang="en-US"/>
           </a:p>
@@ -1348,7 +1348,7 @@
           <a:p>
             <a:fld id="{A1CDC02F-50F9-4EA6-AFF9-14433B7C17A0}" type="datetimeFigureOut">
               <a:rPr lang="ko-KR" altLang="en-US" smtClean="0"/>
-              <a:t>2021-12-03</a:t>
+              <a:t>2022-01-07</a:t>
             </a:fld>
             <a:endParaRPr lang="ko-KR" altLang="en-US"/>
           </a:p>
@@ -1767,7 +1767,7 @@
           <a:p>
             <a:fld id="{A1CDC02F-50F9-4EA6-AFF9-14433B7C17A0}" type="datetimeFigureOut">
               <a:rPr lang="ko-KR" altLang="en-US" smtClean="0"/>
-              <a:t>2021-12-03</a:t>
+              <a:t>2022-01-07</a:t>
             </a:fld>
             <a:endParaRPr lang="ko-KR" altLang="en-US"/>
           </a:p>
@@ -1884,7 +1884,7 @@
           <a:p>
             <a:fld id="{A1CDC02F-50F9-4EA6-AFF9-14433B7C17A0}" type="datetimeFigureOut">
               <a:rPr lang="ko-KR" altLang="en-US" smtClean="0"/>
-              <a:t>2021-12-03</a:t>
+              <a:t>2022-01-07</a:t>
             </a:fld>
             <a:endParaRPr lang="ko-KR" altLang="en-US"/>
           </a:p>
@@ -1979,7 +1979,7 @@
           <a:p>
             <a:fld id="{A1CDC02F-50F9-4EA6-AFF9-14433B7C17A0}" type="datetimeFigureOut">
               <a:rPr lang="ko-KR" altLang="en-US" smtClean="0"/>
-              <a:t>2021-12-03</a:t>
+              <a:t>2022-01-07</a:t>
             </a:fld>
             <a:endParaRPr lang="ko-KR" altLang="en-US"/>
           </a:p>
@@ -2254,7 +2254,7 @@
           <a:p>
             <a:fld id="{A1CDC02F-50F9-4EA6-AFF9-14433B7C17A0}" type="datetimeFigureOut">
               <a:rPr lang="ko-KR" altLang="en-US" smtClean="0"/>
-              <a:t>2021-12-03</a:t>
+              <a:t>2022-01-07</a:t>
             </a:fld>
             <a:endParaRPr lang="ko-KR" altLang="en-US"/>
           </a:p>
@@ -2506,7 +2506,7 @@
           <a:p>
             <a:fld id="{A1CDC02F-50F9-4EA6-AFF9-14433B7C17A0}" type="datetimeFigureOut">
               <a:rPr lang="ko-KR" altLang="en-US" smtClean="0"/>
-              <a:t>2021-12-03</a:t>
+              <a:t>2022-01-07</a:t>
             </a:fld>
             <a:endParaRPr lang="ko-KR" altLang="en-US"/>
           </a:p>
@@ -2717,7 +2717,7 @@
           <a:p>
             <a:fld id="{A1CDC02F-50F9-4EA6-AFF9-14433B7C17A0}" type="datetimeFigureOut">
               <a:rPr lang="ko-KR" altLang="en-US" smtClean="0"/>
-              <a:t>2021-12-03</a:t>
+              <a:t>2022-01-07</a:t>
             </a:fld>
             <a:endParaRPr lang="ko-KR" altLang="en-US"/>
           </a:p>
@@ -3766,87 +3766,6 @@
       </p:sp>
       <p:sp>
         <p:nvSpPr>
-          <p:cNvPr id="21" name="순서도: 처리 20"/>
-          <p:cNvSpPr/>
-          <p:nvPr/>
-        </p:nvSpPr>
-        <p:spPr>
-          <a:xfrm>
-            <a:off x="3305054" y="4057773"/>
-            <a:ext cx="2160240" cy="288032"/>
-          </a:xfrm>
-          <a:prstGeom prst="flowChartProcess">
-            <a:avLst/>
-          </a:prstGeom>
-          <a:noFill/>
-          <a:ln w="12700">
-            <a:noFill/>
-          </a:ln>
-        </p:spPr>
-        <p:style>
-          <a:lnRef idx="2">
-            <a:schemeClr val="accent1">
-              <a:shade val="50000"/>
-            </a:schemeClr>
-          </a:lnRef>
-          <a:fillRef idx="1">
-            <a:schemeClr val="accent1"/>
-          </a:fillRef>
-          <a:effectRef idx="0">
-            <a:schemeClr val="accent1"/>
-          </a:effectRef>
-          <a:fontRef idx="minor">
-            <a:schemeClr val="lt1"/>
-          </a:fontRef>
-        </p:style>
-        <p:txBody>
-          <a:bodyPr rtlCol="0" anchor="ctr"/>
-          <a:lstStyle/>
-          <a:p>
-            <a:r>
-              <a:rPr lang="en-US" altLang="ko-KR" sz="1100" b="1" dirty="0" smtClean="0">
-                <a:solidFill>
-                  <a:schemeClr val="tx1"/>
-                </a:solidFill>
-              </a:rPr>
-              <a:t>DIV:</a:t>
-            </a:r>
-            <a:r>
-              <a:rPr lang="en-US" altLang="ko-KR" sz="1100" b="1" dirty="0" smtClean="0">
-                <a:solidFill>
-                  <a:srgbClr val="00B050"/>
-                </a:solidFill>
-              </a:rPr>
-              <a:t>MAIN_MENT</a:t>
-            </a:r>
-          </a:p>
-          <a:p>
-            <a:r>
-              <a:rPr lang="en-US" altLang="ko-KR" sz="1100" b="1" dirty="0" smtClean="0">
-                <a:solidFill>
-                  <a:schemeClr val="tx1"/>
-                </a:solidFill>
-              </a:rPr>
-              <a:t>(</a:t>
-            </a:r>
-            <a:r>
-              <a:rPr lang="en-US" altLang="ko-KR" sz="1100" b="1" dirty="0">
-                <a:solidFill>
-                  <a:schemeClr val="tx1"/>
-                </a:solidFill>
-              </a:rPr>
-              <a:t>WIDTH: 80%, HEIGHT: 40%)</a:t>
-            </a:r>
-            <a:endParaRPr lang="ko-KR" altLang="en-US" sz="1100" b="1" dirty="0">
-              <a:solidFill>
-                <a:schemeClr val="tx1"/>
-              </a:solidFill>
-            </a:endParaRPr>
-          </a:p>
-        </p:txBody>
-      </p:sp>
-      <p:sp>
-        <p:nvSpPr>
           <p:cNvPr id="17" name="순서도: 처리 16">
             <a:extLst>
               <a:ext uri="{FF2B5EF4-FFF2-40B4-BE49-F238E27FC236}">
@@ -4026,15 +3945,7 @@
                   <a:srgbClr val="00B050"/>
                 </a:solidFill>
               </a:rPr>
-              <a:t>MAIN</a:t>
-            </a:r>
-            <a:r>
-              <a:rPr lang="en-US" altLang="ko-KR" sz="1100" b="1" dirty="0" smtClean="0">
-                <a:solidFill>
-                  <a:srgbClr val="00B050"/>
-                </a:solidFill>
-              </a:rPr>
-              <a:t>_SPACE</a:t>
+              <a:t>MAIN_SPACE</a:t>
             </a:r>
             <a:r>
               <a:rPr lang="en-US" altLang="ko-KR" sz="1100" b="1" dirty="0">
@@ -4081,7 +3992,15 @@
                   <a:schemeClr val="tx1"/>
                 </a:solidFill>
               </a:rPr>
-              <a:t>40%)</a:t>
+              <a:t>80</a:t>
+            </a:r>
+            <a:r>
+              <a:rPr lang="en-US" altLang="ko-KR" sz="1100" b="1" dirty="0" smtClean="0">
+                <a:solidFill>
+                  <a:schemeClr val="tx1"/>
+                </a:solidFill>
+              </a:rPr>
+              <a:t>%)</a:t>
             </a:r>
             <a:endParaRPr lang="ko-KR" altLang="en-US" sz="1100" b="1" dirty="0">
               <a:solidFill>
@@ -4106,59 +4025,7 @@
         <p:spPr>
           <a:xfrm>
             <a:off x="2061090" y="1882506"/>
-            <a:ext cx="4509380" cy="1584176"/>
-          </a:xfrm>
-          <a:prstGeom prst="rect">
-            <a:avLst/>
-          </a:prstGeom>
-          <a:noFill/>
-          <a:ln w="6350">
-            <a:solidFill>
-              <a:schemeClr val="tx1"/>
-            </a:solidFill>
-          </a:ln>
-        </p:spPr>
-        <p:style>
-          <a:lnRef idx="2">
-            <a:schemeClr val="accent1">
-              <a:shade val="50000"/>
-            </a:schemeClr>
-          </a:lnRef>
-          <a:fillRef idx="1">
-            <a:schemeClr val="accent1"/>
-          </a:fillRef>
-          <a:effectRef idx="0">
-            <a:schemeClr val="accent1"/>
-          </a:effectRef>
-          <a:fontRef idx="minor">
-            <a:schemeClr val="lt1"/>
-          </a:fontRef>
-        </p:style>
-        <p:txBody>
-          <a:bodyPr rtlCol="0" anchor="ctr"/>
-          <a:lstStyle/>
-          <a:p>
-            <a:pPr algn="ctr"/>
-            <a:endParaRPr lang="ko-KR" altLang="en-US"/>
-          </a:p>
-        </p:txBody>
-      </p:sp>
-      <p:sp>
-        <p:nvSpPr>
-          <p:cNvPr id="30" name="직사각형 29">
-            <a:extLst>
-              <a:ext uri="{FF2B5EF4-FFF2-40B4-BE49-F238E27FC236}">
-                <a16:creationId xmlns:a16="http://schemas.microsoft.com/office/drawing/2014/main" xmlns="" id="{0CDA6746-37F9-4785-BFCF-F265B819E216}"/>
-              </a:ext>
-            </a:extLst>
-          </p:cNvPr>
-          <p:cNvSpPr/>
-          <p:nvPr/>
-        </p:nvSpPr>
-        <p:spPr>
-          <a:xfrm>
-            <a:off x="2063662" y="3466682"/>
-            <a:ext cx="4509380" cy="1584176"/>
+            <a:ext cx="4509380" cy="3168352"/>
           </a:xfrm>
           <a:prstGeom prst="rect">
             <a:avLst/>
@@ -4690,11 +4557,6 @@
               </a:rPr>
               <a:t>(WIDTH:100%, MIN-HEIGHT: 1000PX)</a:t>
             </a:r>
-            <a:endParaRPr lang="en-US" altLang="ko-KR" sz="1100" b="1" dirty="0">
-              <a:solidFill>
-                <a:schemeClr val="tx1"/>
-              </a:solidFill>
-            </a:endParaRPr>
           </a:p>
         </p:txBody>
       </p:sp>
@@ -5042,8 +4904,8 @@
         </p:nvSpPr>
         <p:spPr>
           <a:xfrm>
-            <a:off x="2029278" y="2887873"/>
-            <a:ext cx="4509380" cy="936723"/>
+            <a:off x="3059832" y="2887873"/>
+            <a:ext cx="3478826" cy="936723"/>
           </a:xfrm>
           <a:prstGeom prst="rect">
             <a:avLst/>
@@ -5094,7 +4956,7 @@
         </p:nvSpPr>
         <p:spPr>
           <a:xfrm>
-            <a:off x="3203848" y="3192603"/>
+            <a:off x="3758872" y="3187419"/>
             <a:ext cx="2160240" cy="288032"/>
           </a:xfrm>
           <a:prstGeom prst="flowChartProcess">
@@ -5170,7 +5032,7 @@
                   <a:schemeClr val="tx1"/>
                 </a:solidFill>
               </a:rPr>
-              <a:t>80%, </a:t>
+              <a:t>65%, </a:t>
             </a:r>
             <a:r>
               <a:rPr lang="en-US" altLang="ko-KR" sz="1100" b="1" dirty="0">
@@ -5210,8 +5072,8 @@
         </p:nvSpPr>
         <p:spPr>
           <a:xfrm>
-            <a:off x="2029278" y="1665213"/>
-            <a:ext cx="4509380" cy="936723"/>
+            <a:off x="3059832" y="1665213"/>
+            <a:ext cx="3478826" cy="936723"/>
           </a:xfrm>
           <a:prstGeom prst="rect">
             <a:avLst/>
@@ -5262,7 +5124,7 @@
         </p:nvSpPr>
         <p:spPr>
           <a:xfrm>
-            <a:off x="3203848" y="1969943"/>
+            <a:off x="3758872" y="1964759"/>
             <a:ext cx="2160240" cy="288032"/>
           </a:xfrm>
           <a:prstGeom prst="flowChartProcess">
@@ -5338,7 +5200,7 @@
                   <a:schemeClr val="tx1"/>
                 </a:solidFill>
               </a:rPr>
-              <a:t>80%, </a:t>
+              <a:t>65%, </a:t>
             </a:r>
             <a:r>
               <a:rPr lang="en-US" altLang="ko-KR" sz="1100" b="1" dirty="0">
@@ -5378,8 +5240,8 @@
         </p:nvSpPr>
         <p:spPr>
           <a:xfrm>
-            <a:off x="2035355" y="4110533"/>
-            <a:ext cx="4509380" cy="936723"/>
+            <a:off x="3059831" y="4110533"/>
+            <a:ext cx="3484903" cy="936723"/>
           </a:xfrm>
           <a:prstGeom prst="rect">
             <a:avLst/>
@@ -5430,7 +5292,7 @@
         </p:nvSpPr>
         <p:spPr>
           <a:xfrm>
-            <a:off x="3209925" y="4415263"/>
+            <a:off x="3764949" y="4410079"/>
             <a:ext cx="2160240" cy="288032"/>
           </a:xfrm>
           <a:prstGeom prst="flowChartProcess">
@@ -5498,15 +5360,23 @@
                   <a:schemeClr val="tx1"/>
                 </a:solidFill>
               </a:rPr>
-              <a:t>(WIDTH: </a:t>
-            </a:r>
-            <a:r>
-              <a:rPr lang="en-US" altLang="ko-KR" sz="1100" b="1" dirty="0" smtClean="0">
-                <a:solidFill>
-                  <a:schemeClr val="tx1"/>
-                </a:solidFill>
-              </a:rPr>
-              <a:t>80%, </a:t>
+              <a:t>(WIDTH</a:t>
+            </a:r>
+            <a:r>
+              <a:rPr lang="en-US" altLang="ko-KR" sz="1100" b="1">
+                <a:solidFill>
+                  <a:schemeClr val="tx1"/>
+                </a:solidFill>
+              </a:rPr>
+              <a:t>: </a:t>
+            </a:r>
+            <a:r>
+              <a:rPr lang="en-US" altLang="ko-KR" sz="1100" b="1" smtClean="0">
+                <a:solidFill>
+                  <a:schemeClr val="tx1"/>
+                </a:solidFill>
+              </a:rPr>
+              <a:t>65%, </a:t>
             </a:r>
             <a:r>
               <a:rPr lang="en-US" altLang="ko-KR" sz="1100" b="1" dirty="0">
@@ -5529,6 +5399,158 @@
                 <a:schemeClr val="tx1"/>
               </a:solidFill>
             </a:endParaRPr>
+          </a:p>
+        </p:txBody>
+      </p:sp>
+      <p:sp>
+        <p:nvSpPr>
+          <p:cNvPr id="45" name="순서도: 처리 44">
+            <a:extLst>
+              <a:ext uri="{FF2B5EF4-FFF2-40B4-BE49-F238E27FC236}">
+                <a16:creationId xmlns:a16="http://schemas.microsoft.com/office/drawing/2014/main" xmlns="" id="{7C9FEA8A-E2FF-45F4-9F5B-CAA1C1D79580}"/>
+              </a:ext>
+            </a:extLst>
+          </p:cNvPr>
+          <p:cNvSpPr/>
+          <p:nvPr/>
+        </p:nvSpPr>
+        <p:spPr>
+          <a:xfrm>
+            <a:off x="1655598" y="1814473"/>
+            <a:ext cx="1602256" cy="288032"/>
+          </a:xfrm>
+          <a:prstGeom prst="flowChartProcess">
+            <a:avLst/>
+          </a:prstGeom>
+          <a:noFill/>
+          <a:ln w="12700">
+            <a:noFill/>
+          </a:ln>
+        </p:spPr>
+        <p:style>
+          <a:lnRef idx="2">
+            <a:schemeClr val="accent1">
+              <a:shade val="50000"/>
+            </a:schemeClr>
+          </a:lnRef>
+          <a:fillRef idx="1">
+            <a:schemeClr val="accent1"/>
+          </a:fillRef>
+          <a:effectRef idx="0">
+            <a:schemeClr val="accent1"/>
+          </a:effectRef>
+          <a:fontRef idx="minor">
+            <a:schemeClr val="lt1"/>
+          </a:fontRef>
+        </p:style>
+        <p:txBody>
+          <a:bodyPr rtlCol="0" anchor="ctr"/>
+          <a:lstStyle/>
+          <a:p>
+            <a:r>
+              <a:rPr lang="en-US" altLang="ko-KR" sz="1100" b="1" dirty="0">
+                <a:solidFill>
+                  <a:schemeClr val="tx1"/>
+                </a:solidFill>
+              </a:rPr>
+              <a:t>DIV:</a:t>
+            </a:r>
+            <a:r>
+              <a:rPr lang="en-US" altLang="ko-KR" sz="1100" b="1" dirty="0">
+                <a:solidFill>
+                  <a:srgbClr val="00B050"/>
+                </a:solidFill>
+              </a:rPr>
+              <a:t>MAIN_ASIDE</a:t>
+            </a:r>
+            <a:br>
+              <a:rPr lang="en-US" altLang="ko-KR" sz="1100" b="1" dirty="0">
+                <a:solidFill>
+                  <a:srgbClr val="00B050"/>
+                </a:solidFill>
+              </a:rPr>
+            </a:br>
+            <a:r>
+              <a:rPr lang="en-US" altLang="ko-KR" sz="1100" b="1" dirty="0">
+                <a:solidFill>
+                  <a:schemeClr val="tx1"/>
+                </a:solidFill>
+              </a:rPr>
+              <a:t>(WIDTH: </a:t>
+            </a:r>
+            <a:r>
+              <a:rPr lang="en-US" altLang="ko-KR" sz="1100" b="1" dirty="0" smtClean="0">
+                <a:solidFill>
+                  <a:schemeClr val="tx1"/>
+                </a:solidFill>
+              </a:rPr>
+              <a:t>25%, </a:t>
+            </a:r>
+            <a:r>
+              <a:rPr lang="en-US" altLang="ko-KR" sz="1100" b="1" dirty="0">
+                <a:solidFill>
+                  <a:schemeClr val="tx1"/>
+                </a:solidFill>
+              </a:rPr>
+              <a:t>HEIGHT: 100%</a:t>
+            </a:r>
+            <a:endParaRPr lang="ko-KR" altLang="en-US" sz="1100" b="1" dirty="0">
+              <a:solidFill>
+                <a:schemeClr val="tx1"/>
+              </a:solidFill>
+            </a:endParaRPr>
+          </a:p>
+        </p:txBody>
+      </p:sp>
+      <p:sp>
+        <p:nvSpPr>
+          <p:cNvPr id="46" name="직사각형 45">
+            <a:extLst>
+              <a:ext uri="{FF2B5EF4-FFF2-40B4-BE49-F238E27FC236}">
+                <a16:creationId xmlns:a16="http://schemas.microsoft.com/office/drawing/2014/main" xmlns="" id="{D8B0CC27-777D-421D-8C3D-0A0E84DC7018}"/>
+              </a:ext>
+            </a:extLst>
+          </p:cNvPr>
+          <p:cNvSpPr/>
+          <p:nvPr/>
+        </p:nvSpPr>
+        <p:spPr>
+          <a:xfrm>
+            <a:off x="1592782" y="1296144"/>
+            <a:ext cx="1062622" cy="4509120"/>
+          </a:xfrm>
+          <a:prstGeom prst="rect">
+            <a:avLst/>
+          </a:prstGeom>
+          <a:noFill/>
+          <a:ln w="6350">
+            <a:solidFill>
+              <a:schemeClr val="tx1"/>
+            </a:solidFill>
+          </a:ln>
+        </p:spPr>
+        <p:style>
+          <a:lnRef idx="2">
+            <a:schemeClr val="accent1">
+              <a:shade val="50000"/>
+            </a:schemeClr>
+          </a:lnRef>
+          <a:fillRef idx="1">
+            <a:schemeClr val="accent1"/>
+          </a:fillRef>
+          <a:effectRef idx="0">
+            <a:schemeClr val="accent1"/>
+          </a:effectRef>
+          <a:fontRef idx="minor">
+            <a:schemeClr val="lt1"/>
+          </a:fontRef>
+        </p:style>
+        <p:txBody>
+          <a:bodyPr rtlCol="0" anchor="ctr"/>
+          <a:lstStyle/>
+          <a:p>
+            <a:pPr algn="ctr"/>
+            <a:endParaRPr lang="ko-KR" altLang="en-US"/>
           </a:p>
         </p:txBody>
       </p:sp>
@@ -5619,14 +5641,6 @@
               </a:rPr>
               <a:t>MYPAGE</a:t>
             </a:r>
-            <a:endParaRPr lang="en-US" altLang="ko-KR" sz="2400" b="1" dirty="0" smtClean="0">
-              <a:solidFill>
-                <a:schemeClr val="tx2">
-                  <a:lumMod val="20000"/>
-                  <a:lumOff val="80000"/>
-                </a:schemeClr>
-              </a:solidFill>
-            </a:endParaRPr>
           </a:p>
           <a:p>
             <a:pPr algn="ctr"/>
